--- a/Content/Day3-4_Dynatrace_Monitoring_Detailed.pptx
+++ b/Content/Day3-4_Dynatrace_Monitoring_Detailed.pptx
@@ -320,7 +320,7 @@
           <a:p>
             <a:fld id="{5BCAD085-E8A6-8845-BD4E-CB4CCA059FC4}" type="datetimeFigureOut">
               <a:rPr lang="en-US" smtClean="0"/>
-              <a:t>4/8/2025</a:t>
+              <a:t>4/9/2025</a:t>
             </a:fld>
             <a:endParaRPr lang="en-US"/>
           </a:p>
@@ -488,7 +488,7 @@
           <a:p>
             <a:fld id="{5BCAD085-E8A6-8845-BD4E-CB4CCA059FC4}" type="datetimeFigureOut">
               <a:rPr lang="en-US" smtClean="0"/>
-              <a:t>4/8/2025</a:t>
+              <a:t>4/9/2025</a:t>
             </a:fld>
             <a:endParaRPr lang="en-US"/>
           </a:p>
@@ -666,7 +666,7 @@
           <a:p>
             <a:fld id="{5BCAD085-E8A6-8845-BD4E-CB4CCA059FC4}" type="datetimeFigureOut">
               <a:rPr lang="en-US" smtClean="0"/>
-              <a:t>4/8/2025</a:t>
+              <a:t>4/9/2025</a:t>
             </a:fld>
             <a:endParaRPr lang="en-US"/>
           </a:p>
@@ -834,7 +834,7 @@
           <a:p>
             <a:fld id="{5BCAD085-E8A6-8845-BD4E-CB4CCA059FC4}" type="datetimeFigureOut">
               <a:rPr lang="en-US" smtClean="0"/>
-              <a:t>4/8/2025</a:t>
+              <a:t>4/9/2025</a:t>
             </a:fld>
             <a:endParaRPr lang="en-US"/>
           </a:p>
@@ -1079,7 +1079,7 @@
           <a:p>
             <a:fld id="{5BCAD085-E8A6-8845-BD4E-CB4CCA059FC4}" type="datetimeFigureOut">
               <a:rPr lang="en-US" smtClean="0"/>
-              <a:t>4/8/2025</a:t>
+              <a:t>4/9/2025</a:t>
             </a:fld>
             <a:endParaRPr lang="en-US"/>
           </a:p>
@@ -1364,7 +1364,7 @@
           <a:p>
             <a:fld id="{5BCAD085-E8A6-8845-BD4E-CB4CCA059FC4}" type="datetimeFigureOut">
               <a:rPr lang="en-US" smtClean="0"/>
-              <a:t>4/8/2025</a:t>
+              <a:t>4/9/2025</a:t>
             </a:fld>
             <a:endParaRPr lang="en-US"/>
           </a:p>
@@ -1783,7 +1783,7 @@
           <a:p>
             <a:fld id="{5BCAD085-E8A6-8845-BD4E-CB4CCA059FC4}" type="datetimeFigureOut">
               <a:rPr lang="en-US" smtClean="0"/>
-              <a:t>4/8/2025</a:t>
+              <a:t>4/9/2025</a:t>
             </a:fld>
             <a:endParaRPr lang="en-US"/>
           </a:p>
@@ -1900,7 +1900,7 @@
           <a:p>
             <a:fld id="{5BCAD085-E8A6-8845-BD4E-CB4CCA059FC4}" type="datetimeFigureOut">
               <a:rPr lang="en-US" smtClean="0"/>
-              <a:t>4/8/2025</a:t>
+              <a:t>4/9/2025</a:t>
             </a:fld>
             <a:endParaRPr lang="en-US"/>
           </a:p>
@@ -1995,7 +1995,7 @@
           <a:p>
             <a:fld id="{5BCAD085-E8A6-8845-BD4E-CB4CCA059FC4}" type="datetimeFigureOut">
               <a:rPr lang="en-US" smtClean="0"/>
-              <a:t>4/8/2025</a:t>
+              <a:t>4/9/2025</a:t>
             </a:fld>
             <a:endParaRPr lang="en-US"/>
           </a:p>
@@ -2270,7 +2270,7 @@
           <a:p>
             <a:fld id="{5BCAD085-E8A6-8845-BD4E-CB4CCA059FC4}" type="datetimeFigureOut">
               <a:rPr lang="en-US" smtClean="0"/>
-              <a:t>4/8/2025</a:t>
+              <a:t>4/9/2025</a:t>
             </a:fld>
             <a:endParaRPr lang="en-US"/>
           </a:p>
@@ -2522,7 +2522,7 @@
           <a:p>
             <a:fld id="{5BCAD085-E8A6-8845-BD4E-CB4CCA059FC4}" type="datetimeFigureOut">
               <a:rPr lang="en-US" smtClean="0"/>
-              <a:t>4/8/2025</a:t>
+              <a:t>4/9/2025</a:t>
             </a:fld>
             <a:endParaRPr lang="en-US"/>
           </a:p>
@@ -2733,7 +2733,7 @@
           <a:p>
             <a:fld id="{5BCAD085-E8A6-8845-BD4E-CB4CCA059FC4}" type="datetimeFigureOut">
               <a:rPr lang="en-US" smtClean="0"/>
-              <a:t>4/8/2025</a:t>
+              <a:t>4/9/2025</a:t>
             </a:fld>
             <a:endParaRPr lang="en-US"/>
           </a:p>
@@ -3127,25 +3127,6 @@
               <a:rPr dirty="0"/>
               <a:t>Day 2: Application &amp; Infrastructure Monitoring</a:t>
             </a:r>
-          </a:p>
-        </p:txBody>
-      </p:sp>
-      <p:sp>
-        <p:nvSpPr>
-          <p:cNvPr id="3" name="Subtitle 2"/>
-          <p:cNvSpPr>
-            <a:spLocks noGrp="1"/>
-          </p:cNvSpPr>
-          <p:nvPr>
-            <p:ph type="subTitle" idx="1"/>
-          </p:nvPr>
-        </p:nvSpPr>
-        <p:spPr/>
-        <p:txBody>
-          <a:bodyPr/>
-          <a:lstStyle/>
-          <a:p>
-            <a:endParaRPr dirty="0"/>
           </a:p>
         </p:txBody>
       </p:sp>
